--- a/BLDC-whatever/Journal-Image/Journal Images.pptx
+++ b/BLDC-whatever/Journal-Image/Journal Images.pptx
@@ -12,6 +12,7 @@
     <p:sldId id="258" r:id="rId6"/>
     <p:sldId id="260" r:id="rId7"/>
     <p:sldId id="261" r:id="rId8"/>
+    <p:sldId id="263" r:id="rId9"/>
   </p:sldIdLst>
   <p:sldSz cx="12192000" cy="6858000"/>
   <p:notesSz cx="6858000" cy="9144000"/>
@@ -265,7 +266,7 @@
           <a:p>
             <a:fld id="{57A1691D-442B-46B6-B402-AF7E6A6EFE20}" type="datetimeFigureOut">
               <a:rPr lang="en-US" smtClean="0"/>
-              <a:t>10/12/2021</a:t>
+              <a:t>6/6/2022</a:t>
             </a:fld>
             <a:endParaRPr lang="en-US"/>
           </a:p>
@@ -463,7 +464,7 @@
           <a:p>
             <a:fld id="{57A1691D-442B-46B6-B402-AF7E6A6EFE20}" type="datetimeFigureOut">
               <a:rPr lang="en-US" smtClean="0"/>
-              <a:t>10/12/2021</a:t>
+              <a:t>6/6/2022</a:t>
             </a:fld>
             <a:endParaRPr lang="en-US"/>
           </a:p>
@@ -671,7 +672,7 @@
           <a:p>
             <a:fld id="{57A1691D-442B-46B6-B402-AF7E6A6EFE20}" type="datetimeFigureOut">
               <a:rPr lang="en-US" smtClean="0"/>
-              <a:t>10/12/2021</a:t>
+              <a:t>6/6/2022</a:t>
             </a:fld>
             <a:endParaRPr lang="en-US"/>
           </a:p>
@@ -869,7 +870,7 @@
           <a:p>
             <a:fld id="{57A1691D-442B-46B6-B402-AF7E6A6EFE20}" type="datetimeFigureOut">
               <a:rPr lang="en-US" smtClean="0"/>
-              <a:t>10/12/2021</a:t>
+              <a:t>6/6/2022</a:t>
             </a:fld>
             <a:endParaRPr lang="en-US"/>
           </a:p>
@@ -1144,7 +1145,7 @@
           <a:p>
             <a:fld id="{57A1691D-442B-46B6-B402-AF7E6A6EFE20}" type="datetimeFigureOut">
               <a:rPr lang="en-US" smtClean="0"/>
-              <a:t>10/12/2021</a:t>
+              <a:t>6/6/2022</a:t>
             </a:fld>
             <a:endParaRPr lang="en-US"/>
           </a:p>
@@ -1409,7 +1410,7 @@
           <a:p>
             <a:fld id="{57A1691D-442B-46B6-B402-AF7E6A6EFE20}" type="datetimeFigureOut">
               <a:rPr lang="en-US" smtClean="0"/>
-              <a:t>10/12/2021</a:t>
+              <a:t>6/6/2022</a:t>
             </a:fld>
             <a:endParaRPr lang="en-US"/>
           </a:p>
@@ -1821,7 +1822,7 @@
           <a:p>
             <a:fld id="{57A1691D-442B-46B6-B402-AF7E6A6EFE20}" type="datetimeFigureOut">
               <a:rPr lang="en-US" smtClean="0"/>
-              <a:t>10/12/2021</a:t>
+              <a:t>6/6/2022</a:t>
             </a:fld>
             <a:endParaRPr lang="en-US"/>
           </a:p>
@@ -1962,7 +1963,7 @@
           <a:p>
             <a:fld id="{57A1691D-442B-46B6-B402-AF7E6A6EFE20}" type="datetimeFigureOut">
               <a:rPr lang="en-US" smtClean="0"/>
-              <a:t>10/12/2021</a:t>
+              <a:t>6/6/2022</a:t>
             </a:fld>
             <a:endParaRPr lang="en-US"/>
           </a:p>
@@ -2075,7 +2076,7 @@
           <a:p>
             <a:fld id="{57A1691D-442B-46B6-B402-AF7E6A6EFE20}" type="datetimeFigureOut">
               <a:rPr lang="en-US" smtClean="0"/>
-              <a:t>10/12/2021</a:t>
+              <a:t>6/6/2022</a:t>
             </a:fld>
             <a:endParaRPr lang="en-US"/>
           </a:p>
@@ -2386,7 +2387,7 @@
           <a:p>
             <a:fld id="{57A1691D-442B-46B6-B402-AF7E6A6EFE20}" type="datetimeFigureOut">
               <a:rPr lang="en-US" smtClean="0"/>
-              <a:t>10/12/2021</a:t>
+              <a:t>6/6/2022</a:t>
             </a:fld>
             <a:endParaRPr lang="en-US"/>
           </a:p>
@@ -2674,7 +2675,7 @@
           <a:p>
             <a:fld id="{57A1691D-442B-46B6-B402-AF7E6A6EFE20}" type="datetimeFigureOut">
               <a:rPr lang="en-US" smtClean="0"/>
-              <a:t>10/12/2021</a:t>
+              <a:t>6/6/2022</a:t>
             </a:fld>
             <a:endParaRPr lang="en-US"/>
           </a:p>
@@ -2915,7 +2916,7 @@
           <a:p>
             <a:fld id="{57A1691D-442B-46B6-B402-AF7E6A6EFE20}" type="datetimeFigureOut">
               <a:rPr lang="en-US" smtClean="0"/>
-              <a:t>10/12/2021</a:t>
+              <a:t>6/6/2022</a:t>
             </a:fld>
             <a:endParaRPr lang="en-US"/>
           </a:p>
@@ -9095,6 +9096,338 @@
 </p:sld>
 </file>
 
+<file path=ppt/slides/slide8.xml><?xml version="1.0" encoding="utf-8"?>
+<p:sld xmlns:a="http://schemas.openxmlformats.org/drawingml/2006/main" xmlns:r="http://schemas.openxmlformats.org/officeDocument/2006/relationships" xmlns:p="http://schemas.openxmlformats.org/presentationml/2006/main">
+  <p:cSld>
+    <p:spTree>
+      <p:nvGrpSpPr>
+        <p:cNvPr id="1" name=""/>
+        <p:cNvGrpSpPr/>
+        <p:nvPr/>
+      </p:nvGrpSpPr>
+      <p:grpSpPr>
+        <a:xfrm>
+          <a:off x="0" y="0"/>
+          <a:ext cx="0" cy="0"/>
+          <a:chOff x="0" y="0"/>
+          <a:chExt cx="0" cy="0"/>
+        </a:xfrm>
+      </p:grpSpPr>
+      <p:pic>
+        <p:nvPicPr>
+          <p:cNvPr id="4" name="Graphic 3">
+            <a:extLst>
+              <a:ext uri="{FF2B5EF4-FFF2-40B4-BE49-F238E27FC236}">
+                <a16:creationId xmlns:a16="http://schemas.microsoft.com/office/drawing/2014/main" id="{E588A36C-896C-4BBA-BD13-7AAD342963F7}"/>
+              </a:ext>
+            </a:extLst>
+          </p:cNvPr>
+          <p:cNvPicPr>
+            <a:picLocks noChangeAspect="1"/>
+          </p:cNvPicPr>
+          <p:nvPr/>
+        </p:nvPicPr>
+        <p:blipFill>
+          <a:blip r:embed="rId2">
+            <a:extLst>
+              <a:ext uri="{96DAC541-7B7A-43D3-8B79-37D633B846F1}">
+                <asvg:svgBlip xmlns:asvg="http://schemas.microsoft.com/office/drawing/2016/SVG/main" r:embed="rId3"/>
+              </a:ext>
+            </a:extLst>
+          </a:blip>
+          <a:stretch>
+            <a:fillRect/>
+          </a:stretch>
+        </p:blipFill>
+        <p:spPr>
+          <a:xfrm>
+            <a:off x="1752160" y="1168758"/>
+            <a:ext cx="4991100" cy="3505200"/>
+          </a:xfrm>
+          <a:prstGeom prst="rect">
+            <a:avLst/>
+          </a:prstGeom>
+        </p:spPr>
+      </p:pic>
+      <p:sp>
+        <p:nvSpPr>
+          <p:cNvPr id="5" name="TextBox 4">
+            <a:extLst>
+              <a:ext uri="{FF2B5EF4-FFF2-40B4-BE49-F238E27FC236}">
+                <a16:creationId xmlns:a16="http://schemas.microsoft.com/office/drawing/2014/main" id="{A6292A74-E5AB-4FCA-8AFF-6923E6CC22B7}"/>
+              </a:ext>
+            </a:extLst>
+          </p:cNvPr>
+          <p:cNvSpPr txBox="1"/>
+          <p:nvPr/>
+        </p:nvSpPr>
+        <p:spPr>
+          <a:xfrm>
+            <a:off x="1388942" y="1643806"/>
+            <a:ext cx="944613" cy="307777"/>
+          </a:xfrm>
+          <a:prstGeom prst="rect">
+            <a:avLst/>
+          </a:prstGeom>
+          <a:noFill/>
+        </p:spPr>
+        <p:txBody>
+          <a:bodyPr wrap="square" rtlCol="0">
+            <a:spAutoFit/>
+          </a:bodyPr>
+          <a:lstStyle/>
+          <a:p>
+            <a:r>
+              <a:rPr lang="en-US" sz="1400" dirty="0">
+                <a:latin typeface="Times New Roman" panose="02020603050405020304" pitchFamily="18" charset="0"/>
+                <a:cs typeface="Times New Roman" panose="02020603050405020304" pitchFamily="18" charset="0"/>
+              </a:rPr>
+              <a:t>(a)</a:t>
+            </a:r>
+          </a:p>
+        </p:txBody>
+      </p:sp>
+      <p:sp>
+        <p:nvSpPr>
+          <p:cNvPr id="6" name="TextBox 5">
+            <a:extLst>
+              <a:ext uri="{FF2B5EF4-FFF2-40B4-BE49-F238E27FC236}">
+                <a16:creationId xmlns:a16="http://schemas.microsoft.com/office/drawing/2014/main" id="{8C0E3354-EAF6-4659-BAD7-F36BF56ADBB3}"/>
+              </a:ext>
+            </a:extLst>
+          </p:cNvPr>
+          <p:cNvSpPr txBox="1"/>
+          <p:nvPr/>
+        </p:nvSpPr>
+        <p:spPr>
+          <a:xfrm>
+            <a:off x="1388942" y="2609372"/>
+            <a:ext cx="944613" cy="307777"/>
+          </a:xfrm>
+          <a:prstGeom prst="rect">
+            <a:avLst/>
+          </a:prstGeom>
+          <a:noFill/>
+        </p:spPr>
+        <p:txBody>
+          <a:bodyPr wrap="square" rtlCol="0">
+            <a:spAutoFit/>
+          </a:bodyPr>
+          <a:lstStyle/>
+          <a:p>
+            <a:r>
+              <a:rPr lang="en-US" sz="1400" dirty="0">
+                <a:latin typeface="Times New Roman" panose="02020603050405020304" pitchFamily="18" charset="0"/>
+                <a:cs typeface="Times New Roman" panose="02020603050405020304" pitchFamily="18" charset="0"/>
+              </a:rPr>
+              <a:t>(b)</a:t>
+            </a:r>
+          </a:p>
+        </p:txBody>
+      </p:sp>
+      <p:sp>
+        <p:nvSpPr>
+          <p:cNvPr id="7" name="TextBox 6">
+            <a:extLst>
+              <a:ext uri="{FF2B5EF4-FFF2-40B4-BE49-F238E27FC236}">
+                <a16:creationId xmlns:a16="http://schemas.microsoft.com/office/drawing/2014/main" id="{1D4EDA3D-3989-4CF0-9ED8-EB7288833EFC}"/>
+              </a:ext>
+            </a:extLst>
+          </p:cNvPr>
+          <p:cNvSpPr txBox="1"/>
+          <p:nvPr/>
+        </p:nvSpPr>
+        <p:spPr>
+          <a:xfrm>
+            <a:off x="1388942" y="3360406"/>
+            <a:ext cx="944613" cy="307777"/>
+          </a:xfrm>
+          <a:prstGeom prst="rect">
+            <a:avLst/>
+          </a:prstGeom>
+          <a:noFill/>
+        </p:spPr>
+        <p:txBody>
+          <a:bodyPr wrap="square" rtlCol="0">
+            <a:spAutoFit/>
+          </a:bodyPr>
+          <a:lstStyle/>
+          <a:p>
+            <a:r>
+              <a:rPr lang="en-US" sz="1400" dirty="0">
+                <a:latin typeface="Times New Roman" panose="02020603050405020304" pitchFamily="18" charset="0"/>
+                <a:cs typeface="Times New Roman" panose="02020603050405020304" pitchFamily="18" charset="0"/>
+              </a:rPr>
+              <a:t>(c)</a:t>
+            </a:r>
+          </a:p>
+        </p:txBody>
+      </p:sp>
+      <p:sp>
+        <p:nvSpPr>
+          <p:cNvPr id="8" name="TextBox 7">
+            <a:extLst>
+              <a:ext uri="{FF2B5EF4-FFF2-40B4-BE49-F238E27FC236}">
+                <a16:creationId xmlns:a16="http://schemas.microsoft.com/office/drawing/2014/main" id="{A3189D2B-002E-4021-88FE-5C2302E0395D}"/>
+              </a:ext>
+            </a:extLst>
+          </p:cNvPr>
+          <p:cNvSpPr txBox="1"/>
+          <p:nvPr/>
+        </p:nvSpPr>
+        <p:spPr>
+          <a:xfrm>
+            <a:off x="1388942" y="4111440"/>
+            <a:ext cx="944613" cy="307777"/>
+          </a:xfrm>
+          <a:prstGeom prst="rect">
+            <a:avLst/>
+          </a:prstGeom>
+          <a:noFill/>
+        </p:spPr>
+        <p:txBody>
+          <a:bodyPr wrap="square" rtlCol="0">
+            <a:spAutoFit/>
+          </a:bodyPr>
+          <a:lstStyle/>
+          <a:p>
+            <a:r>
+              <a:rPr lang="en-US" sz="1400" dirty="0">
+                <a:latin typeface="Times New Roman" panose="02020603050405020304" pitchFamily="18" charset="0"/>
+                <a:cs typeface="Times New Roman" panose="02020603050405020304" pitchFamily="18" charset="0"/>
+              </a:rPr>
+              <a:t>(d)</a:t>
+            </a:r>
+          </a:p>
+        </p:txBody>
+      </p:sp>
+      <p:sp>
+        <p:nvSpPr>
+          <p:cNvPr id="9" name="TextBox 8">
+            <a:extLst>
+              <a:ext uri="{FF2B5EF4-FFF2-40B4-BE49-F238E27FC236}">
+                <a16:creationId xmlns:a16="http://schemas.microsoft.com/office/drawing/2014/main" id="{3D1A8912-E466-4697-BD51-393847C98F0D}"/>
+              </a:ext>
+            </a:extLst>
+          </p:cNvPr>
+          <p:cNvSpPr txBox="1"/>
+          <p:nvPr/>
+        </p:nvSpPr>
+        <p:spPr>
+          <a:xfrm>
+            <a:off x="6784535" y="2609372"/>
+            <a:ext cx="944613" cy="307777"/>
+          </a:xfrm>
+          <a:prstGeom prst="rect">
+            <a:avLst/>
+          </a:prstGeom>
+          <a:noFill/>
+        </p:spPr>
+        <p:txBody>
+          <a:bodyPr wrap="square" rtlCol="0">
+            <a:spAutoFit/>
+          </a:bodyPr>
+          <a:lstStyle/>
+          <a:p>
+            <a:r>
+              <a:rPr lang="en-US" sz="1400" dirty="0">
+                <a:latin typeface="Times New Roman" panose="02020603050405020304" pitchFamily="18" charset="0"/>
+                <a:cs typeface="Times New Roman" panose="02020603050405020304" pitchFamily="18" charset="0"/>
+              </a:rPr>
+              <a:t>t</a:t>
+            </a:r>
+          </a:p>
+        </p:txBody>
+      </p:sp>
+      <p:sp>
+        <p:nvSpPr>
+          <p:cNvPr id="10" name="TextBox 9">
+            <a:extLst>
+              <a:ext uri="{FF2B5EF4-FFF2-40B4-BE49-F238E27FC236}">
+                <a16:creationId xmlns:a16="http://schemas.microsoft.com/office/drawing/2014/main" id="{58C8B328-A0FE-454E-951C-5212AB961761}"/>
+              </a:ext>
+            </a:extLst>
+          </p:cNvPr>
+          <p:cNvSpPr txBox="1"/>
+          <p:nvPr/>
+        </p:nvSpPr>
+        <p:spPr>
+          <a:xfrm>
+            <a:off x="6784535" y="3360407"/>
+            <a:ext cx="944613" cy="307777"/>
+          </a:xfrm>
+          <a:prstGeom prst="rect">
+            <a:avLst/>
+          </a:prstGeom>
+          <a:noFill/>
+        </p:spPr>
+        <p:txBody>
+          <a:bodyPr wrap="square" rtlCol="0">
+            <a:spAutoFit/>
+          </a:bodyPr>
+          <a:lstStyle/>
+          <a:p>
+            <a:r>
+              <a:rPr lang="en-US" sz="1400" dirty="0">
+                <a:latin typeface="Times New Roman" panose="02020603050405020304" pitchFamily="18" charset="0"/>
+                <a:cs typeface="Times New Roman" panose="02020603050405020304" pitchFamily="18" charset="0"/>
+              </a:rPr>
+              <a:t>t</a:t>
+            </a:r>
+          </a:p>
+        </p:txBody>
+      </p:sp>
+      <p:sp>
+        <p:nvSpPr>
+          <p:cNvPr id="11" name="TextBox 10">
+            <a:extLst>
+              <a:ext uri="{FF2B5EF4-FFF2-40B4-BE49-F238E27FC236}">
+                <a16:creationId xmlns:a16="http://schemas.microsoft.com/office/drawing/2014/main" id="{B26D8FDE-A7C3-49DB-8303-5AC1FB83D452}"/>
+              </a:ext>
+            </a:extLst>
+          </p:cNvPr>
+          <p:cNvSpPr txBox="1"/>
+          <p:nvPr/>
+        </p:nvSpPr>
+        <p:spPr>
+          <a:xfrm>
+            <a:off x="6784534" y="4111441"/>
+            <a:ext cx="944613" cy="307777"/>
+          </a:xfrm>
+          <a:prstGeom prst="rect">
+            <a:avLst/>
+          </a:prstGeom>
+          <a:noFill/>
+        </p:spPr>
+        <p:txBody>
+          <a:bodyPr wrap="square" rtlCol="0">
+            <a:spAutoFit/>
+          </a:bodyPr>
+          <a:lstStyle/>
+          <a:p>
+            <a:r>
+              <a:rPr lang="en-US" sz="1400" dirty="0">
+                <a:latin typeface="Times New Roman" panose="02020603050405020304" pitchFamily="18" charset="0"/>
+                <a:cs typeface="Times New Roman" panose="02020603050405020304" pitchFamily="18" charset="0"/>
+              </a:rPr>
+              <a:t>t</a:t>
+            </a:r>
+          </a:p>
+        </p:txBody>
+      </p:sp>
+    </p:spTree>
+    <p:extLst>
+      <p:ext uri="{BB962C8B-B14F-4D97-AF65-F5344CB8AC3E}">
+        <p14:creationId xmlns:p14="http://schemas.microsoft.com/office/powerpoint/2010/main" val="4154347789"/>
+      </p:ext>
+    </p:extLst>
+  </p:cSld>
+  <p:clrMapOvr>
+    <a:masterClrMapping/>
+  </p:clrMapOvr>
+</p:sld>
+</file>
+
 <file path=ppt/theme/theme1.xml><?xml version="1.0" encoding="utf-8"?>
 <a:theme xmlns:a="http://schemas.openxmlformats.org/drawingml/2006/main" name="Office Theme">
   <a:themeElements>
